--- a/Презентация Проекта.pptx
+++ b/Презентация Проекта.pptx
@@ -294,7 +294,7 @@
             <a:fld id="{9A87D8B4-22EE-46FE-81FD-CFB148CD6BE7}" type="datetimeFigureOut">
               <a:rPr lang="ru-RU" smtClean="0"/>
               <a:pPr/>
-              <a:t>04.01.2022</a:t>
+              <a:t>10.01.2022</a:t>
             </a:fld>
             <a:endParaRPr lang="ru-RU"/>
           </a:p>
@@ -461,7 +461,7 @@
             <a:fld id="{9A87D8B4-22EE-46FE-81FD-CFB148CD6BE7}" type="datetimeFigureOut">
               <a:rPr lang="ru-RU" smtClean="0"/>
               <a:pPr/>
-              <a:t>04.01.2022</a:t>
+              <a:t>10.01.2022</a:t>
             </a:fld>
             <a:endParaRPr lang="ru-RU"/>
           </a:p>
@@ -638,7 +638,7 @@
             <a:fld id="{9A87D8B4-22EE-46FE-81FD-CFB148CD6BE7}" type="datetimeFigureOut">
               <a:rPr lang="ru-RU" smtClean="0"/>
               <a:pPr/>
-              <a:t>04.01.2022</a:t>
+              <a:t>10.01.2022</a:t>
             </a:fld>
             <a:endParaRPr lang="ru-RU"/>
           </a:p>
@@ -805,7 +805,7 @@
             <a:fld id="{9A87D8B4-22EE-46FE-81FD-CFB148CD6BE7}" type="datetimeFigureOut">
               <a:rPr lang="ru-RU" smtClean="0"/>
               <a:pPr/>
-              <a:t>04.01.2022</a:t>
+              <a:t>10.01.2022</a:t>
             </a:fld>
             <a:endParaRPr lang="ru-RU"/>
           </a:p>
@@ -1048,7 +1048,7 @@
             <a:fld id="{9A87D8B4-22EE-46FE-81FD-CFB148CD6BE7}" type="datetimeFigureOut">
               <a:rPr lang="ru-RU" smtClean="0"/>
               <a:pPr/>
-              <a:t>04.01.2022</a:t>
+              <a:t>10.01.2022</a:t>
             </a:fld>
             <a:endParaRPr lang="ru-RU"/>
           </a:p>
@@ -1333,7 +1333,7 @@
             <a:fld id="{9A87D8B4-22EE-46FE-81FD-CFB148CD6BE7}" type="datetimeFigureOut">
               <a:rPr lang="ru-RU" smtClean="0"/>
               <a:pPr/>
-              <a:t>04.01.2022</a:t>
+              <a:t>10.01.2022</a:t>
             </a:fld>
             <a:endParaRPr lang="ru-RU"/>
           </a:p>
@@ -1752,7 +1752,7 @@
             <a:fld id="{9A87D8B4-22EE-46FE-81FD-CFB148CD6BE7}" type="datetimeFigureOut">
               <a:rPr lang="ru-RU" smtClean="0"/>
               <a:pPr/>
-              <a:t>04.01.2022</a:t>
+              <a:t>10.01.2022</a:t>
             </a:fld>
             <a:endParaRPr lang="ru-RU"/>
           </a:p>
@@ -1867,7 +1867,7 @@
             <a:fld id="{9A87D8B4-22EE-46FE-81FD-CFB148CD6BE7}" type="datetimeFigureOut">
               <a:rPr lang="ru-RU" smtClean="0"/>
               <a:pPr/>
-              <a:t>04.01.2022</a:t>
+              <a:t>10.01.2022</a:t>
             </a:fld>
             <a:endParaRPr lang="ru-RU"/>
           </a:p>
@@ -1959,7 +1959,7 @@
             <a:fld id="{9A87D8B4-22EE-46FE-81FD-CFB148CD6BE7}" type="datetimeFigureOut">
               <a:rPr lang="ru-RU" smtClean="0"/>
               <a:pPr/>
-              <a:t>04.01.2022</a:t>
+              <a:t>10.01.2022</a:t>
             </a:fld>
             <a:endParaRPr lang="ru-RU"/>
           </a:p>
@@ -2233,7 +2233,7 @@
             <a:fld id="{9A87D8B4-22EE-46FE-81FD-CFB148CD6BE7}" type="datetimeFigureOut">
               <a:rPr lang="ru-RU" smtClean="0"/>
               <a:pPr/>
-              <a:t>04.01.2022</a:t>
+              <a:t>10.01.2022</a:t>
             </a:fld>
             <a:endParaRPr lang="ru-RU"/>
           </a:p>
@@ -2483,7 +2483,7 @@
             <a:fld id="{9A87D8B4-22EE-46FE-81FD-CFB148CD6BE7}" type="datetimeFigureOut">
               <a:rPr lang="ru-RU" smtClean="0"/>
               <a:pPr/>
-              <a:t>04.01.2022</a:t>
+              <a:t>10.01.2022</a:t>
             </a:fld>
             <a:endParaRPr lang="ru-RU"/>
           </a:p>
@@ -2693,7 +2693,7 @@
             <a:fld id="{9A87D8B4-22EE-46FE-81FD-CFB148CD6BE7}" type="datetimeFigureOut">
               <a:rPr lang="ru-RU" smtClean="0"/>
               <a:pPr/>
-              <a:t>04.01.2022</a:t>
+              <a:t>10.01.2022</a:t>
             </a:fld>
             <a:endParaRPr lang="ru-RU"/>
           </a:p>
@@ -3518,13 +3518,22 @@
           </a:p>
           <a:p>
             <a:r>
+              <a:rPr lang="ru-RU" dirty="0" err="1" smtClean="0"/>
+              <a:t>Пинг</a:t>
+            </a:r>
+            <a:r>
               <a:rPr lang="ru-RU" dirty="0" smtClean="0"/>
-              <a:t>??????</a:t>
-            </a:r>
-          </a:p>
-          <a:p>
-            <a:r>
-              <a:rPr lang="ru-RU" smtClean="0"/>
+              <a:t> </a:t>
+            </a:r>
+            <a:r>
+              <a:rPr lang="ru-RU" dirty="0" err="1" smtClean="0"/>
+              <a:t>понг</a:t>
+            </a:r>
+            <a:endParaRPr lang="ru-RU" dirty="0" smtClean="0"/>
+          </a:p>
+          <a:p>
+            <a:r>
+              <a:rPr lang="ru-RU" dirty="0" err="1" smtClean="0"/>
               <a:t>Квест</a:t>
             </a:r>
             <a:endParaRPr lang="ru-RU" dirty="0" smtClean="0"/>
@@ -3537,6 +3546,22 @@
             <a:r>
               <a:rPr lang="ru-RU" dirty="0" err="1" smtClean="0"/>
               <a:t>квеста</a:t>
+            </a:r>
+            <a:r>
+              <a:rPr lang="ru-RU" dirty="0" smtClean="0"/>
+              <a:t>:</a:t>
+            </a:r>
+          </a:p>
+          <a:p>
+            <a:r>
+              <a:rPr lang="ru-RU" dirty="0" smtClean="0"/>
+              <a:t>Взлом</a:t>
+            </a:r>
+          </a:p>
+          <a:p>
+            <a:r>
+              <a:rPr lang="ru-RU" dirty="0" smtClean="0"/>
+              <a:t>Стрельба по целям</a:t>
             </a:r>
             <a:endParaRPr lang="ru-RU" dirty="0"/>
           </a:p>

--- a/Презентация Проекта.pptx
+++ b/Презентация Проекта.pptx
@@ -294,7 +294,7 @@
             <a:fld id="{9A87D8B4-22EE-46FE-81FD-CFB148CD6BE7}" type="datetimeFigureOut">
               <a:rPr lang="ru-RU" smtClean="0"/>
               <a:pPr/>
-              <a:t>10.01.2022</a:t>
+              <a:t>11.01.2022</a:t>
             </a:fld>
             <a:endParaRPr lang="ru-RU"/>
           </a:p>
@@ -461,7 +461,7 @@
             <a:fld id="{9A87D8B4-22EE-46FE-81FD-CFB148CD6BE7}" type="datetimeFigureOut">
               <a:rPr lang="ru-RU" smtClean="0"/>
               <a:pPr/>
-              <a:t>10.01.2022</a:t>
+              <a:t>11.01.2022</a:t>
             </a:fld>
             <a:endParaRPr lang="ru-RU"/>
           </a:p>
@@ -638,7 +638,7 @@
             <a:fld id="{9A87D8B4-22EE-46FE-81FD-CFB148CD6BE7}" type="datetimeFigureOut">
               <a:rPr lang="ru-RU" smtClean="0"/>
               <a:pPr/>
-              <a:t>10.01.2022</a:t>
+              <a:t>11.01.2022</a:t>
             </a:fld>
             <a:endParaRPr lang="ru-RU"/>
           </a:p>
@@ -805,7 +805,7 @@
             <a:fld id="{9A87D8B4-22EE-46FE-81FD-CFB148CD6BE7}" type="datetimeFigureOut">
               <a:rPr lang="ru-RU" smtClean="0"/>
               <a:pPr/>
-              <a:t>10.01.2022</a:t>
+              <a:t>11.01.2022</a:t>
             </a:fld>
             <a:endParaRPr lang="ru-RU"/>
           </a:p>
@@ -1048,7 +1048,7 @@
             <a:fld id="{9A87D8B4-22EE-46FE-81FD-CFB148CD6BE7}" type="datetimeFigureOut">
               <a:rPr lang="ru-RU" smtClean="0"/>
               <a:pPr/>
-              <a:t>10.01.2022</a:t>
+              <a:t>11.01.2022</a:t>
             </a:fld>
             <a:endParaRPr lang="ru-RU"/>
           </a:p>
@@ -1333,7 +1333,7 @@
             <a:fld id="{9A87D8B4-22EE-46FE-81FD-CFB148CD6BE7}" type="datetimeFigureOut">
               <a:rPr lang="ru-RU" smtClean="0"/>
               <a:pPr/>
-              <a:t>10.01.2022</a:t>
+              <a:t>11.01.2022</a:t>
             </a:fld>
             <a:endParaRPr lang="ru-RU"/>
           </a:p>
@@ -1752,7 +1752,7 @@
             <a:fld id="{9A87D8B4-22EE-46FE-81FD-CFB148CD6BE7}" type="datetimeFigureOut">
               <a:rPr lang="ru-RU" smtClean="0"/>
               <a:pPr/>
-              <a:t>10.01.2022</a:t>
+              <a:t>11.01.2022</a:t>
             </a:fld>
             <a:endParaRPr lang="ru-RU"/>
           </a:p>
@@ -1867,7 +1867,7 @@
             <a:fld id="{9A87D8B4-22EE-46FE-81FD-CFB148CD6BE7}" type="datetimeFigureOut">
               <a:rPr lang="ru-RU" smtClean="0"/>
               <a:pPr/>
-              <a:t>10.01.2022</a:t>
+              <a:t>11.01.2022</a:t>
             </a:fld>
             <a:endParaRPr lang="ru-RU"/>
           </a:p>
@@ -1959,7 +1959,7 @@
             <a:fld id="{9A87D8B4-22EE-46FE-81FD-CFB148CD6BE7}" type="datetimeFigureOut">
               <a:rPr lang="ru-RU" smtClean="0"/>
               <a:pPr/>
-              <a:t>10.01.2022</a:t>
+              <a:t>11.01.2022</a:t>
             </a:fld>
             <a:endParaRPr lang="ru-RU"/>
           </a:p>
@@ -2233,7 +2233,7 @@
             <a:fld id="{9A87D8B4-22EE-46FE-81FD-CFB148CD6BE7}" type="datetimeFigureOut">
               <a:rPr lang="ru-RU" smtClean="0"/>
               <a:pPr/>
-              <a:t>10.01.2022</a:t>
+              <a:t>11.01.2022</a:t>
             </a:fld>
             <a:endParaRPr lang="ru-RU"/>
           </a:p>
@@ -2483,7 +2483,7 @@
             <a:fld id="{9A87D8B4-22EE-46FE-81FD-CFB148CD6BE7}" type="datetimeFigureOut">
               <a:rPr lang="ru-RU" smtClean="0"/>
               <a:pPr/>
-              <a:t>10.01.2022</a:t>
+              <a:t>11.01.2022</a:t>
             </a:fld>
             <a:endParaRPr lang="ru-RU"/>
           </a:p>
@@ -2693,7 +2693,7 @@
             <a:fld id="{9A87D8B4-22EE-46FE-81FD-CFB148CD6BE7}" type="datetimeFigureOut">
               <a:rPr lang="ru-RU" smtClean="0"/>
               <a:pPr/>
-              <a:t>10.01.2022</a:t>
+              <a:t>11.01.2022</a:t>
             </a:fld>
             <a:endParaRPr lang="ru-RU"/>
           </a:p>
@@ -3745,25 +3745,6 @@
           </a:p>
         </p:txBody>
       </p:sp>
-      <p:sp>
-        <p:nvSpPr>
-          <p:cNvPr id="3" name="Содержимое 2"/>
-          <p:cNvSpPr>
-            <a:spLocks noGrp="1"/>
-          </p:cNvSpPr>
-          <p:nvPr>
-            <p:ph idx="1"/>
-          </p:nvPr>
-        </p:nvSpPr>
-        <p:spPr/>
-        <p:txBody>
-          <a:bodyPr/>
-          <a:lstStyle/>
-          <a:p>
-            <a:endParaRPr lang="ru-RU"/>
-          </a:p>
-        </p:txBody>
-      </p:sp>
     </p:spTree>
   </p:cSld>
   <p:clrMapOvr>
